--- a/HH_MANAGER.pptx
+++ b/HH_MANAGER.pptx
@@ -7159,7 +7159,7 @@
       <dgm:spPr/>
     </dgm:pt>
     <dgm:pt modelId="{5637FC9D-C4C8-4C1B-8ED2-D73709DB856F}" type="pres">
-      <dgm:prSet presAssocID="{D59A1FF7-976A-42BD-AD6F-549A39E7FCB5}" presName="rect1" presStyleLbl="trAlignAcc1" presStyleIdx="0" presStyleCnt="3" custScaleX="80113" custScaleY="63072" custLinFactY="33169" custLinFactNeighborX="48901" custLinFactNeighborY="100000">
+      <dgm:prSet presAssocID="{D59A1FF7-976A-42BD-AD6F-549A39E7FCB5}" presName="rect1" presStyleLbl="trAlignAcc1" presStyleIdx="0" presStyleCnt="3" custScaleX="80113" custScaleY="63072" custLinFactY="48036" custLinFactNeighborX="-6158" custLinFactNeighborY="100000">
         <dgm:presLayoutVars>
           <dgm:bulletEnabled val="1"/>
         </dgm:presLayoutVars>
@@ -7167,7 +7167,7 @@
       <dgm:spPr/>
     </dgm:pt>
     <dgm:pt modelId="{862BBABF-F44C-4317-8680-F4516CF89100}" type="pres">
-      <dgm:prSet presAssocID="{D59A1FF7-976A-42BD-AD6F-549A39E7FCB5}" presName="rect2" presStyleLbl="fgImgPlace1" presStyleIdx="0" presStyleCnt="3" custScaleX="120337" custScaleY="112353" custLinFactX="57947" custLinFactY="39620" custLinFactNeighborX="100000" custLinFactNeighborY="100000"/>
+      <dgm:prSet presAssocID="{D59A1FF7-976A-42BD-AD6F-549A39E7FCB5}" presName="rect2" presStyleLbl="fgImgPlace1" presStyleIdx="0" presStyleCnt="3" custScaleX="120337" custScaleY="112353" custLinFactX="-14681" custLinFactY="46335" custLinFactNeighborX="-100000" custLinFactNeighborY="100000"/>
       <dgm:spPr>
         <a:blipFill dpi="0" rotWithShape="1">
           <a:blip xmlns:r="http://schemas.openxmlformats.org/officeDocument/2006/relationships" r:embed="rId2">
@@ -7201,7 +7201,7 @@
       <dgm:spPr/>
     </dgm:pt>
     <dgm:pt modelId="{3E6B3080-9FC1-40CA-B4F3-12F83E297E2F}" type="pres">
-      <dgm:prSet presAssocID="{328ADCB7-C5DA-4180-9503-D311D39D7A48}" presName="rect1" presStyleLbl="trAlignAcc1" presStyleIdx="1" presStyleCnt="3" custScaleX="74271" custScaleY="89530" custLinFactX="-19368" custLinFactNeighborX="-100000" custLinFactNeighborY="30793">
+      <dgm:prSet presAssocID="{328ADCB7-C5DA-4180-9503-D311D39D7A48}" presName="rect1" presStyleLbl="trAlignAcc1" presStyleIdx="1" presStyleCnt="3" custScaleX="74271" custScaleY="89530" custLinFactNeighborX="-16977" custLinFactNeighborY="-97229">
         <dgm:presLayoutVars>
           <dgm:bulletEnabled val="1"/>
         </dgm:presLayoutVars>
@@ -7209,7 +7209,7 @@
       <dgm:spPr/>
     </dgm:pt>
     <dgm:pt modelId="{3DCF1C41-D6CF-4BDA-B2B9-8C9E6A671BB4}" type="pres">
-      <dgm:prSet presAssocID="{328ADCB7-C5DA-4180-9503-D311D39D7A48}" presName="rect2" presStyleLbl="fgImgPlace1" presStyleIdx="1" presStyleCnt="3" custScaleX="98972" custScaleY="101417" custLinFactX="-150005" custLinFactNeighborX="-200000" custLinFactNeighborY="-39343"/>
+      <dgm:prSet presAssocID="{328ADCB7-C5DA-4180-9503-D311D39D7A48}" presName="rect2" presStyleLbl="fgImgPlace1" presStyleIdx="1" presStyleCnt="3" custScaleX="98972" custScaleY="101417" custLinFactX="18257" custLinFactY="-45614" custLinFactNeighborX="100000" custLinFactNeighborY="-100000"/>
       <dgm:spPr>
         <a:prstGeom prst="flowChartProcess">
           <a:avLst/>
@@ -7246,7 +7246,7 @@
       <dgm:spPr/>
     </dgm:pt>
     <dgm:pt modelId="{3B040F09-6EA1-491D-8968-69847B78A1C7}" type="pres">
-      <dgm:prSet presAssocID="{D0342366-BD89-472A-841E-51038C8C8377}" presName="rect1" presStyleLbl="trAlignAcc1" presStyleIdx="2" presStyleCnt="3" custScaleX="87464" custScaleY="89395" custLinFactNeighborX="48754" custLinFactNeighborY="-93175">
+      <dgm:prSet presAssocID="{D0342366-BD89-472A-841E-51038C8C8377}" presName="rect1" presStyleLbl="trAlignAcc1" presStyleIdx="2" presStyleCnt="3" custScaleX="80959" custScaleY="89395" custLinFactNeighborX="42169" custLinFactNeighborY="-96464">
         <dgm:presLayoutVars>
           <dgm:bulletEnabled val="1"/>
         </dgm:presLayoutVars>
@@ -7254,7 +7254,7 @@
       <dgm:spPr/>
     </dgm:pt>
     <dgm:pt modelId="{0ED1FF57-C232-468E-BEE7-55B8DE81AC93}" type="pres">
-      <dgm:prSet presAssocID="{D0342366-BD89-472A-841E-51038C8C8377}" presName="rect2" presStyleLbl="fgImgPlace1" presStyleIdx="2" presStyleCnt="3" custScaleX="85557" custLinFactX="200000" custLinFactY="-54213" custLinFactNeighborX="270431" custLinFactNeighborY="-100000"/>
+      <dgm:prSet presAssocID="{D0342366-BD89-472A-841E-51038C8C8377}" presName="rect2" presStyleLbl="fgImgPlace1" presStyleIdx="2" presStyleCnt="3" custScaleX="85557" custLinFactX="100000" custLinFactY="-63631" custLinFactNeighborX="105852" custLinFactNeighborY="-100000"/>
       <dgm:spPr>
         <a:blipFill dpi="0" rotWithShape="1">
           <a:blip xmlns:r="http://schemas.openxmlformats.org/officeDocument/2006/relationships" r:embed="rId6">
@@ -9813,8 +9813,8 @@
       </dsp:nvSpPr>
       <dsp:spPr>
         <a:xfrm>
-          <a:off x="3675075" y="3562322"/>
-          <a:ext cx="4506026" cy="1108606"/>
+          <a:off x="3394341" y="4120433"/>
+          <a:ext cx="4783142" cy="1176784"/>
         </a:xfrm>
         <a:prstGeom prst="rect">
           <a:avLst/>
@@ -9847,12 +9847,12 @@
         <a:fontRef idx="minor"/>
       </dsp:style>
       <dsp:txBody>
-        <a:bodyPr spcFirstLastPara="0" vert="horz" wrap="square" lIns="1190538" tIns="175260" rIns="175260" bIns="175260" numCol="1" spcCol="1270" anchor="ctr" anchorCtr="0">
+        <a:bodyPr spcFirstLastPara="0" vert="horz" wrap="square" lIns="1263755" tIns="186690" rIns="186690" bIns="186690" numCol="1" spcCol="1270" anchor="ctr" anchorCtr="0">
           <a:noAutofit/>
         </a:bodyPr>
         <a:lstStyle/>
         <a:p>
-          <a:pPr marL="0" lvl="0" indent="0" algn="l" defTabSz="2044700">
+          <a:pPr marL="0" lvl="0" indent="0" algn="l" defTabSz="2178050">
             <a:lnSpc>
               <a:spcPct val="90000"/>
             </a:lnSpc>
@@ -9865,14 +9865,14 @@
             <a:buNone/>
           </a:pPr>
           <a:r>
-            <a:rPr lang="en-US" sz="4600" kern="1200" dirty="0"/>
+            <a:rPr lang="en-US" sz="4900" kern="1200" dirty="0"/>
             <a:t>Save Power</a:t>
           </a:r>
         </a:p>
       </dsp:txBody>
       <dsp:txXfrm>
-        <a:off x="3675075" y="3562322"/>
-        <a:ext cx="4506026" cy="1108606"/>
+        <a:off x="3394341" y="4120433"/>
+        <a:ext cx="4783142" cy="1176784"/>
       </dsp:txXfrm>
     </dsp:sp>
     <dsp:sp modelId="{862BBABF-F44C-4317-8680-F4516CF89100}">
@@ -9882,8 +9882,8 @@
       </dsp:nvSpPr>
       <dsp:spPr>
         <a:xfrm>
-          <a:off x="1949191" y="3105996"/>
-          <a:ext cx="1480600" cy="2073551"/>
+          <a:off x="1288966" y="3490210"/>
+          <a:ext cx="1571656" cy="2201072"/>
         </a:xfrm>
         <a:prstGeom prst="rect">
           <a:avLst/>
@@ -9927,8 +9927,8 @@
       </dsp:nvSpPr>
       <dsp:spPr>
         <a:xfrm>
-          <a:off x="0" y="1499895"/>
-          <a:ext cx="4177438" cy="1573654"/>
+          <a:off x="5197" y="1604983"/>
+          <a:ext cx="4434346" cy="1670432"/>
         </a:xfrm>
         <a:prstGeom prst="rect">
           <a:avLst/>
@@ -9961,12 +9961,12 @@
         <a:fontRef idx="minor"/>
       </dsp:style>
       <dsp:txBody>
-        <a:bodyPr spcFirstLastPara="0" vert="horz" wrap="square" lIns="1190538" tIns="175260" rIns="175260" bIns="175260" numCol="1" spcCol="1270" anchor="ctr" anchorCtr="0">
+        <a:bodyPr spcFirstLastPara="0" vert="horz" wrap="square" lIns="1263755" tIns="186690" rIns="186690" bIns="186690" numCol="1" spcCol="1270" anchor="ctr" anchorCtr="0">
           <a:noAutofit/>
         </a:bodyPr>
         <a:lstStyle/>
         <a:p>
-          <a:pPr marL="0" lvl="0" indent="0" algn="l" defTabSz="2044700">
+          <a:pPr marL="0" lvl="0" indent="0" algn="l" defTabSz="2178050">
             <a:lnSpc>
               <a:spcPct val="90000"/>
             </a:lnSpc>
@@ -9979,14 +9979,14 @@
             <a:buNone/>
           </a:pPr>
           <a:r>
-            <a:rPr lang="en-US" sz="4600" kern="1200" dirty="0"/>
+            <a:rPr lang="en-US" sz="4900" kern="1200" dirty="0"/>
             <a:t>Visualize Devices</a:t>
           </a:r>
         </a:p>
       </dsp:txBody>
       <dsp:txXfrm>
-        <a:off x="0" y="1499895"/>
-        <a:ext cx="4177438" cy="1573654"/>
+        <a:off x="5197" y="1604983"/>
+        <a:ext cx="4434346" cy="1670432"/>
       </dsp:txXfrm>
     </dsp:sp>
     <dsp:sp modelId="{3DCF1C41-D6CF-4BDA-B2B9-8C9E6A671BB4}">
@@ -9996,8 +9996,8 @@
       </dsp:nvSpPr>
       <dsp:spPr>
         <a:xfrm>
-          <a:off x="1407836" y="0"/>
-          <a:ext cx="1217730" cy="1871719"/>
+          <a:off x="1553167" y="185329"/>
+          <a:ext cx="1292619" cy="1986828"/>
         </a:xfrm>
         <a:prstGeom prst="flowChartProcess">
           <a:avLst/>
@@ -10041,8 +10041,8 @@
       </dsp:nvSpPr>
       <dsp:spPr>
         <a:xfrm>
-          <a:off x="5929625" y="1513289"/>
-          <a:ext cx="4919490" cy="1571281"/>
+          <a:off x="6498247" y="1614205"/>
+          <a:ext cx="4833652" cy="1667913"/>
         </a:xfrm>
         <a:prstGeom prst="rect">
           <a:avLst/>
@@ -10075,12 +10075,12 @@
         <a:fontRef idx="minor"/>
       </dsp:style>
       <dsp:txBody>
-        <a:bodyPr spcFirstLastPara="0" vert="horz" wrap="square" lIns="1190538" tIns="175260" rIns="175260" bIns="175260" numCol="1" spcCol="1270" anchor="ctr" anchorCtr="0">
+        <a:bodyPr spcFirstLastPara="0" vert="horz" wrap="square" lIns="1263755" tIns="186690" rIns="186690" bIns="186690" numCol="1" spcCol="1270" anchor="ctr" anchorCtr="0">
           <a:noAutofit/>
         </a:bodyPr>
         <a:lstStyle/>
         <a:p>
-          <a:pPr marL="0" lvl="0" indent="0" algn="l" defTabSz="2044700">
+          <a:pPr marL="0" lvl="0" indent="0" algn="l" defTabSz="2178050">
             <a:lnSpc>
               <a:spcPct val="90000"/>
             </a:lnSpc>
@@ -10093,14 +10093,14 @@
             <a:buNone/>
           </a:pPr>
           <a:r>
-            <a:rPr lang="en-US" sz="4600" kern="1200"/>
+            <a:rPr lang="en-US" sz="4900" kern="1200"/>
             <a:t>Manage Status</a:t>
           </a:r>
         </a:p>
       </dsp:txBody>
       <dsp:txXfrm>
-        <a:off x="5929625" y="1513289"/>
-        <a:ext cx="4919490" cy="1571281"/>
+        <a:off x="6498247" y="1614205"/>
+        <a:ext cx="4833652" cy="1667913"/>
       </dsp:txXfrm>
     </dsp:sp>
     <dsp:sp modelId="{0ED1FF57-C232-468E-BEE7-55B8DE81AC93}">
@@ -10110,8 +10110,8 @@
       </dsp:nvSpPr>
       <dsp:spPr>
         <a:xfrm>
-          <a:off x="8503868" y="0"/>
-          <a:ext cx="1052675" cy="1845568"/>
+          <a:off x="8455216" y="0"/>
+          <a:ext cx="1117413" cy="1959068"/>
         </a:xfrm>
         <a:prstGeom prst="rect">
           <a:avLst/>
@@ -25076,7 +25076,7 @@
           <a:p>
             <a:fld id="{DCD81C89-AC0D-4BFF-9223-D3157C1DDC5B}" type="datetimeFigureOut">
               <a:rPr lang="en-US" smtClean="0"/>
-              <a:t>3/25/2023</a:t>
+              <a:t>3/26/2023</a:t>
             </a:fld>
             <a:endParaRPr lang="en-US" dirty="0"/>
           </a:p>
@@ -25512,7 +25512,7 @@
           <a:p>
             <a:fld id="{43A52079-6997-47B8-B262-4ED5D2EA2D74}" type="datetime1">
               <a:rPr lang="en-US" smtClean="0"/>
-              <a:t>3/25/2023</a:t>
+              <a:t>3/26/2023</a:t>
             </a:fld>
             <a:endParaRPr lang="en-US" dirty="0"/>
           </a:p>
@@ -25838,7 +25838,7 @@
           <a:p>
             <a:fld id="{4CAC80CA-06EA-4D97-A1EC-F2A229B592C4}" type="datetime1">
               <a:rPr lang="en-US" smtClean="0"/>
-              <a:t>3/25/2023</a:t>
+              <a:t>3/26/2023</a:t>
             </a:fld>
             <a:endParaRPr lang="en-US" dirty="0"/>
           </a:p>
@@ -26013,7 +26013,7 @@
           <a:p>
             <a:fld id="{AAA60CC4-6CA2-4A99-B83B-711E420D000E}" type="datetime1">
               <a:rPr lang="en-US" smtClean="0"/>
-              <a:t>3/25/2023</a:t>
+              <a:t>3/26/2023</a:t>
             </a:fld>
             <a:endParaRPr lang="en-US" dirty="0"/>
           </a:p>
@@ -26178,7 +26178,7 @@
           <a:p>
             <a:fld id="{E7B41ED8-AC2E-4560-8CC9-E6292DDF25B6}" type="datetime1">
               <a:rPr lang="en-US" smtClean="0"/>
-              <a:t>3/25/2023</a:t>
+              <a:t>3/26/2023</a:t>
             </a:fld>
             <a:endParaRPr lang="en-US" dirty="0"/>
           </a:p>
@@ -26450,7 +26450,7 @@
           <a:p>
             <a:fld id="{85238998-10EA-455D-8FDC-3EBC7E198582}" type="datetime1">
               <a:rPr lang="en-US" smtClean="0"/>
-              <a:t>3/25/2023</a:t>
+              <a:t>3/26/2023</a:t>
             </a:fld>
             <a:endParaRPr lang="en-US" dirty="0"/>
           </a:p>
@@ -26840,7 +26840,7 @@
           <a:p>
             <a:fld id="{F5A4E9B6-2EC2-45E6-A437-DCC674AAC4AF}" type="datetime1">
               <a:rPr lang="en-US" smtClean="0"/>
-              <a:t>3/25/2023</a:t>
+              <a:t>3/26/2023</a:t>
             </a:fld>
             <a:endParaRPr lang="en-US" dirty="0"/>
           </a:p>
@@ -27312,7 +27312,7 @@
           <a:p>
             <a:fld id="{BF2D4FF3-940D-4DDE-86D8-82D5A8663636}" type="datetime1">
               <a:rPr lang="en-US" smtClean="0"/>
-              <a:t>3/25/2023</a:t>
+              <a:t>3/26/2023</a:t>
             </a:fld>
             <a:endParaRPr lang="en-US" dirty="0"/>
           </a:p>
@@ -27425,7 +27425,7 @@
           <a:p>
             <a:fld id="{C4955261-7117-41BB-BB79-8C1909625493}" type="datetime1">
               <a:rPr lang="en-US" smtClean="0"/>
-              <a:t>3/25/2023</a:t>
+              <a:t>3/26/2023</a:t>
             </a:fld>
             <a:endParaRPr lang="en-US" dirty="0"/>
           </a:p>
@@ -27515,7 +27515,7 @@
           <a:p>
             <a:fld id="{11E204D7-DE7F-414C-8571-0012DE9EFCDB}" type="datetime1">
               <a:rPr lang="en-US" smtClean="0"/>
-              <a:t>3/25/2023</a:t>
+              <a:t>3/26/2023</a:t>
             </a:fld>
             <a:endParaRPr lang="en-US" dirty="0"/>
           </a:p>
@@ -27856,7 +27856,7 @@
           <a:p>
             <a:fld id="{BE378FF3-85EA-48E5-8D8C-1DB156807E49}" type="datetime1">
               <a:rPr lang="en-US" smtClean="0"/>
-              <a:t>3/25/2023</a:t>
+              <a:t>3/26/2023</a:t>
             </a:fld>
             <a:endParaRPr lang="en-US" dirty="0"/>
           </a:p>
@@ -28240,7 +28240,7 @@
           <a:p>
             <a:fld id="{73F94F13-1676-4B68-A383-661B657F6E63}" type="datetime1">
               <a:rPr lang="en-US" smtClean="0"/>
-              <a:t>3/25/2023</a:t>
+              <a:t>3/26/2023</a:t>
             </a:fld>
             <a:endParaRPr lang="en-US" dirty="0"/>
           </a:p>
@@ -28514,7 +28514,7 @@
           <a:p>
             <a:fld id="{5CB83234-995D-4149-8E1E-BC120E9070D5}" type="datetime1">
               <a:rPr lang="en-US" smtClean="0"/>
-              <a:t>3/25/2023</a:t>
+              <a:t>3/26/2023</a:t>
             </a:fld>
             <a:endParaRPr lang="en-US" dirty="0"/>
           </a:p>
@@ -30514,14 +30514,14 @@
           <p:nvPr>
             <p:extLst>
               <p:ext uri="{D42A27DB-BD31-4B8C-83A1-F6EECF244321}">
-                <p14:modId xmlns:p14="http://schemas.microsoft.com/office/powerpoint/2010/main" val="2487114331"/>
+                <p14:modId xmlns:p14="http://schemas.microsoft.com/office/powerpoint/2010/main" val="3154042927"/>
               </p:ext>
             </p:extLst>
           </p:nvPr>
         </p:nvGraphicFramePr>
         <p:xfrm>
-          <a:off x="404298" y="1493241"/>
-          <a:ext cx="10849116" cy="5251508"/>
+          <a:off x="404298" y="1031847"/>
+          <a:ext cx="11331900" cy="5712902"/>
         </p:xfrm>
         <a:graphic>
           <a:graphicData uri="http://schemas.openxmlformats.org/drawingml/2006/diagram">
@@ -32485,12 +32485,11 @@
 </file>
 
 <file path=customXml/item1.xml><?xml version="1.0" encoding="utf-8"?>
-<?mso-contentType ?>
-<FormTemplates xmlns="http://schemas.microsoft.com/sharepoint/v3/contenttype/forms">
-  <Display>DocumentLibraryForm</Display>
-  <Edit>DocumentLibraryForm</Edit>
-  <New>DocumentLibraryForm</New>
-</FormTemplates>
+<p:properties xmlns:p="http://schemas.microsoft.com/office/2006/metadata/properties" xmlns:xsi="http://www.w3.org/2001/XMLSchema-instance" xmlns:pc="http://schemas.microsoft.com/office/infopath/2007/PartnerControls">
+  <documentManagement>
+    <MediaServiceKeyPoints xmlns="71af3243-3dd4-4a8d-8c0d-dd76da1f02a5" xsi:nil="true"/>
+  </documentManagement>
+</p:properties>
 </file>
 
 <file path=customXml/item2.xml><?xml version="1.0" encoding="utf-8"?>
@@ -32705,17 +32704,20 @@
 </file>
 
 <file path=customXml/item3.xml><?xml version="1.0" encoding="utf-8"?>
-<p:properties xmlns:p="http://schemas.microsoft.com/office/2006/metadata/properties" xmlns:xsi="http://www.w3.org/2001/XMLSchema-instance" xmlns:pc="http://schemas.microsoft.com/office/infopath/2007/PartnerControls">
-  <documentManagement>
-    <MediaServiceKeyPoints xmlns="71af3243-3dd4-4a8d-8c0d-dd76da1f02a5" xsi:nil="true"/>
-  </documentManagement>
-</p:properties>
+<?mso-contentType ?>
+<FormTemplates xmlns="http://schemas.microsoft.com/sharepoint/v3/contenttype/forms">
+  <Display>DocumentLibraryForm</Display>
+  <Edit>DocumentLibraryForm</Edit>
+  <New>DocumentLibraryForm</New>
+</FormTemplates>
 </file>
 
 <file path=customXml/itemProps1.xml><?xml version="1.0" encoding="utf-8"?>
-<ds:datastoreItem xmlns:ds="http://schemas.openxmlformats.org/officeDocument/2006/customXml" ds:itemID="{8C45FB24-BEC6-4D44-888B-84AEBBA2DC09}">
+<ds:datastoreItem xmlns:ds="http://schemas.openxmlformats.org/officeDocument/2006/customXml" ds:itemID="{3FD9A38F-9A2C-42E5-9013-4C4B1FFCB4F6}">
   <ds:schemaRefs>
-    <ds:schemaRef ds:uri="http://schemas.microsoft.com/sharepoint/v3/contenttype/forms"/>
+    <ds:schemaRef ds:uri="http://schemas.microsoft.com/office/2006/metadata/properties"/>
+    <ds:schemaRef ds:uri="http://schemas.microsoft.com/office/infopath/2007/PartnerControls"/>
+    <ds:schemaRef ds:uri="71af3243-3dd4-4a8d-8c0d-dd76da1f02a5"/>
   </ds:schemaRefs>
 </ds:datastoreItem>
 </file>
@@ -32740,11 +32742,9 @@
 </file>
 
 <file path=customXml/itemProps3.xml><?xml version="1.0" encoding="utf-8"?>
-<ds:datastoreItem xmlns:ds="http://schemas.openxmlformats.org/officeDocument/2006/customXml" ds:itemID="{3FD9A38F-9A2C-42E5-9013-4C4B1FFCB4F6}">
+<ds:datastoreItem xmlns:ds="http://schemas.openxmlformats.org/officeDocument/2006/customXml" ds:itemID="{8C45FB24-BEC6-4D44-888B-84AEBBA2DC09}">
   <ds:schemaRefs>
-    <ds:schemaRef ds:uri="http://schemas.microsoft.com/office/2006/metadata/properties"/>
-    <ds:schemaRef ds:uri="http://schemas.microsoft.com/office/infopath/2007/PartnerControls"/>
-    <ds:schemaRef ds:uri="71af3243-3dd4-4a8d-8c0d-dd76da1f02a5"/>
+    <ds:schemaRef ds:uri="http://schemas.microsoft.com/sharepoint/v3/contenttype/forms"/>
   </ds:schemaRefs>
 </ds:datastoreItem>
 </file>